--- a/Thesis/ThesisArbeit_V17/images/NEU_Virtuel_Arbeitsprozess.pptx
+++ b/Thesis/ThesisArbeit_V17/images/NEU_Virtuel_Arbeitsprozess.pptx
@@ -263,7 +263,7 @@
           <a:p>
             <a:fld id="{7309E8AB-E798-400F-8EDB-77D86A5AA00D}" type="datetimeFigureOut">
               <a:rPr lang="de-DE" smtClean="0"/>
-              <a:t>27.05.2018</a:t>
+              <a:t>28.05.2018</a:t>
             </a:fld>
             <a:endParaRPr lang="de-DE"/>
           </a:p>
@@ -463,7 +463,7 @@
           <a:p>
             <a:fld id="{7309E8AB-E798-400F-8EDB-77D86A5AA00D}" type="datetimeFigureOut">
               <a:rPr lang="de-DE" smtClean="0"/>
-              <a:t>27.05.2018</a:t>
+              <a:t>28.05.2018</a:t>
             </a:fld>
             <a:endParaRPr lang="de-DE"/>
           </a:p>
@@ -673,7 +673,7 @@
           <a:p>
             <a:fld id="{7309E8AB-E798-400F-8EDB-77D86A5AA00D}" type="datetimeFigureOut">
               <a:rPr lang="de-DE" smtClean="0"/>
-              <a:t>27.05.2018</a:t>
+              <a:t>28.05.2018</a:t>
             </a:fld>
             <a:endParaRPr lang="de-DE"/>
           </a:p>
@@ -873,7 +873,7 @@
           <a:p>
             <a:fld id="{7309E8AB-E798-400F-8EDB-77D86A5AA00D}" type="datetimeFigureOut">
               <a:rPr lang="de-DE" smtClean="0"/>
-              <a:t>27.05.2018</a:t>
+              <a:t>28.05.2018</a:t>
             </a:fld>
             <a:endParaRPr lang="de-DE"/>
           </a:p>
@@ -1149,7 +1149,7 @@
           <a:p>
             <a:fld id="{7309E8AB-E798-400F-8EDB-77D86A5AA00D}" type="datetimeFigureOut">
               <a:rPr lang="de-DE" smtClean="0"/>
-              <a:t>27.05.2018</a:t>
+              <a:t>28.05.2018</a:t>
             </a:fld>
             <a:endParaRPr lang="de-DE"/>
           </a:p>
@@ -1417,7 +1417,7 @@
           <a:p>
             <a:fld id="{7309E8AB-E798-400F-8EDB-77D86A5AA00D}" type="datetimeFigureOut">
               <a:rPr lang="de-DE" smtClean="0"/>
-              <a:t>27.05.2018</a:t>
+              <a:t>28.05.2018</a:t>
             </a:fld>
             <a:endParaRPr lang="de-DE"/>
           </a:p>
@@ -1832,7 +1832,7 @@
           <a:p>
             <a:fld id="{7309E8AB-E798-400F-8EDB-77D86A5AA00D}" type="datetimeFigureOut">
               <a:rPr lang="de-DE" smtClean="0"/>
-              <a:t>27.05.2018</a:t>
+              <a:t>28.05.2018</a:t>
             </a:fld>
             <a:endParaRPr lang="de-DE"/>
           </a:p>
@@ -1974,7 +1974,7 @@
           <a:p>
             <a:fld id="{7309E8AB-E798-400F-8EDB-77D86A5AA00D}" type="datetimeFigureOut">
               <a:rPr lang="de-DE" smtClean="0"/>
-              <a:t>27.05.2018</a:t>
+              <a:t>28.05.2018</a:t>
             </a:fld>
             <a:endParaRPr lang="de-DE"/>
           </a:p>
@@ -2087,7 +2087,7 @@
           <a:p>
             <a:fld id="{7309E8AB-E798-400F-8EDB-77D86A5AA00D}" type="datetimeFigureOut">
               <a:rPr lang="de-DE" smtClean="0"/>
-              <a:t>27.05.2018</a:t>
+              <a:t>28.05.2018</a:t>
             </a:fld>
             <a:endParaRPr lang="de-DE"/>
           </a:p>
@@ -2400,7 +2400,7 @@
           <a:p>
             <a:fld id="{7309E8AB-E798-400F-8EDB-77D86A5AA00D}" type="datetimeFigureOut">
               <a:rPr lang="de-DE" smtClean="0"/>
-              <a:t>27.05.2018</a:t>
+              <a:t>28.05.2018</a:t>
             </a:fld>
             <a:endParaRPr lang="de-DE"/>
           </a:p>
@@ -2689,7 +2689,7 @@
           <a:p>
             <a:fld id="{7309E8AB-E798-400F-8EDB-77D86A5AA00D}" type="datetimeFigureOut">
               <a:rPr lang="de-DE" smtClean="0"/>
-              <a:t>27.05.2018</a:t>
+              <a:t>28.05.2018</a:t>
             </a:fld>
             <a:endParaRPr lang="de-DE"/>
           </a:p>
@@ -2932,7 +2932,7 @@
           <a:p>
             <a:fld id="{7309E8AB-E798-400F-8EDB-77D86A5AA00D}" type="datetimeFigureOut">
               <a:rPr lang="de-DE" smtClean="0"/>
-              <a:t>27.05.2018</a:t>
+              <a:t>28.05.2018</a:t>
             </a:fld>
             <a:endParaRPr lang="de-DE"/>
           </a:p>
@@ -4729,7 +4729,15 @@
             <a:pPr algn="ctr"/>
             <a:r>
               <a:rPr lang="de-DE" dirty="0"/>
-              <a:t>Rekonstruktion der 3D Szenen mit Sampson-Approximation</a:t>
+              <a:t>Rekonstruktion </a:t>
+            </a:r>
+            <a:r>
+              <a:rPr lang="de-DE"/>
+              <a:t>der 3D- </a:t>
+            </a:r>
+            <a:r>
+              <a:rPr lang="de-DE" dirty="0"/>
+              <a:t>Szenen mit Sampson-Approximation</a:t>
             </a:r>
           </a:p>
         </p:txBody>
